--- a/React/Presentation/ReactJs Presentation.pptx
+++ b/React/Presentation/ReactJs Presentation.pptx
@@ -238,7 +238,7 @@
           <a:p>
             <a:fld id="{15B04546-F402-4EA6-8DDC-7FF33557A017}" type="datetimeFigureOut">
               <a:rPr lang="en-US" smtClean="0"/>
-              <a:t>5/16/2019</a:t>
+              <a:t>5/20/2019</a:t>
             </a:fld>
             <a:endParaRPr lang="en-US"/>
           </a:p>
@@ -416,7 +416,7 @@
           <a:p>
             <a:fld id="{942A5FE5-2BF8-410E-AE49-3DDFB22218ED}" type="datetimeFigureOut">
               <a:rPr lang="en-US" smtClean="0"/>
-              <a:t>5/16/2019</a:t>
+              <a:t>5/20/2019</a:t>
             </a:fld>
             <a:endParaRPr lang="en-US"/>
           </a:p>
@@ -1038,7 +1038,7 @@
           <a:p>
             <a:fld id="{995A4314-A6FA-406E-9AAE-42C5EE8FE0D1}" type="datetime1">
               <a:rPr lang="en-US" smtClean="0"/>
-              <a:t>5/16/2019</a:t>
+              <a:t>5/20/2019</a:t>
             </a:fld>
             <a:endParaRPr lang="en-US"/>
           </a:p>
@@ -1426,7 +1426,7 @@
           <a:p>
             <a:fld id="{DAC9BF7E-F2BB-42FB-A9AC-9B35299E101C}" type="datetime1">
               <a:rPr lang="en-US" smtClean="0"/>
-              <a:t>5/16/2019</a:t>
+              <a:t>5/20/2019</a:t>
             </a:fld>
             <a:endParaRPr lang="en-US"/>
           </a:p>
@@ -1851,7 +1851,7 @@
           <a:p>
             <a:fld id="{FB1D339C-3BC5-4523-89E1-9A21722B5358}" type="datetime1">
               <a:rPr lang="en-US" smtClean="0"/>
-              <a:t>5/16/2019</a:t>
+              <a:t>5/20/2019</a:t>
             </a:fld>
             <a:endParaRPr lang="en-US"/>
           </a:p>
@@ -2210,7 +2210,7 @@
           <a:p>
             <a:fld id="{1FF12D84-5BE7-4559-A541-6F3E42098003}" type="datetime1">
               <a:rPr lang="en-US" smtClean="0"/>
-              <a:t>5/16/2019</a:t>
+              <a:t>5/20/2019</a:t>
             </a:fld>
             <a:endParaRPr lang="en-US"/>
           </a:p>
@@ -2337,7 +2337,7 @@
           <a:p>
             <a:fld id="{908AECC1-DDB5-470F-96D0-EA8486F99BD6}" type="datetime1">
               <a:rPr lang="en-US" smtClean="0"/>
-              <a:t>5/16/2019</a:t>
+              <a:t>5/20/2019</a:t>
             </a:fld>
             <a:endParaRPr lang="en-US"/>
           </a:p>
@@ -2678,7 +2678,7 @@
           <a:p>
             <a:fld id="{E78711D8-A41A-4F5C-B4FE-E74FE8D0F745}" type="datetime1">
               <a:rPr lang="en-US" smtClean="0"/>
-              <a:t>5/16/2019</a:t>
+              <a:t>5/20/2019</a:t>
             </a:fld>
             <a:endParaRPr lang="en-US"/>
           </a:p>
@@ -12953,7 +12953,7 @@
         </p:nvSpPr>
         <p:spPr>
           <a:xfrm>
-            <a:off x="2668270" y="2018304"/>
+            <a:off x="2668270" y="2097087"/>
             <a:ext cx="8367395" cy="2663825"/>
           </a:xfrm>
           <a:prstGeom prst="rect">
@@ -13329,7 +13329,7 @@
             </a:endParaRPr>
           </a:p>
           <a:p>
-            <a:pPr marL="355600" indent="-342900">
+            <a:pPr marL="12700">
               <a:lnSpc>
                 <a:spcPct val="100000"/>
               </a:lnSpc>
@@ -13339,44 +13339,11 @@
               <a:buClr>
                 <a:srgbClr val="A42F0F"/>
               </a:buClr>
-              <a:buFont typeface="Wingdings 3"/>
-              <a:buChar char=""/>
               <a:tabLst>
                 <a:tab pos="354965" algn="l"/>
                 <a:tab pos="355600" algn="l"/>
               </a:tabLst>
             </a:pPr>
-            <a:r>
-              <a:rPr sz="1800" u="heavy" spc="-5" dirty="0">
-                <a:solidFill>
-                  <a:srgbClr val="404040"/>
-                </a:solidFill>
-                <a:uFill>
-                  <a:solidFill>
-                    <a:srgbClr val="404040"/>
-                  </a:solidFill>
-                </a:uFill>
-                <a:latin typeface="Century Gothic"/>
-                <a:cs typeface="Century Gothic"/>
-              </a:rPr>
-              <a:t>https://</a:t>
-            </a:r>
-            <a:r>
-              <a:rPr sz="1800" u="heavy" spc="-5" dirty="0">
-                <a:solidFill>
-                  <a:srgbClr val="404040"/>
-                </a:solidFill>
-                <a:uFill>
-                  <a:solidFill>
-                    <a:srgbClr val="404040"/>
-                  </a:solidFill>
-                </a:uFill>
-                <a:latin typeface="Century Gothic"/>
-                <a:cs typeface="Century Gothic"/>
-                <a:hlinkClick r:id="rId2"/>
-              </a:rPr>
-              <a:t>www.youtube.com/watch?v=BYbgopx44vo</a:t>
-            </a:r>
             <a:endParaRPr sz="1800" dirty="0">
               <a:latin typeface="Century Gothic"/>
               <a:cs typeface="Century Gothic"/>
